--- a/Power.pptx
+++ b/Power.pptx
@@ -244,7 +244,7 @@
           <a:p>
             <a:fld id="{692224ED-DFA0-4E6E-BD19-DA5ACEE7B7A0}" type="datetimeFigureOut">
               <a:rPr lang="en-IN" smtClean="0"/>
-              <a:t>28-07-2021</a:t>
+              <a:t>30-07-2021</a:t>
             </a:fld>
             <a:endParaRPr lang="en-IN"/>
           </a:p>
@@ -414,7 +414,7 @@
           <a:p>
             <a:fld id="{692224ED-DFA0-4E6E-BD19-DA5ACEE7B7A0}" type="datetimeFigureOut">
               <a:rPr lang="en-IN" smtClean="0"/>
-              <a:t>28-07-2021</a:t>
+              <a:t>30-07-2021</a:t>
             </a:fld>
             <a:endParaRPr lang="en-IN"/>
           </a:p>
@@ -594,7 +594,7 @@
           <a:p>
             <a:fld id="{692224ED-DFA0-4E6E-BD19-DA5ACEE7B7A0}" type="datetimeFigureOut">
               <a:rPr lang="en-IN" smtClean="0"/>
-              <a:t>28-07-2021</a:t>
+              <a:t>30-07-2021</a:t>
             </a:fld>
             <a:endParaRPr lang="en-IN"/>
           </a:p>
@@ -764,7 +764,7 @@
           <a:p>
             <a:fld id="{692224ED-DFA0-4E6E-BD19-DA5ACEE7B7A0}" type="datetimeFigureOut">
               <a:rPr lang="en-IN" smtClean="0"/>
-              <a:t>28-07-2021</a:t>
+              <a:t>30-07-2021</a:t>
             </a:fld>
             <a:endParaRPr lang="en-IN"/>
           </a:p>
@@ -1010,7 +1010,7 @@
           <a:p>
             <a:fld id="{692224ED-DFA0-4E6E-BD19-DA5ACEE7B7A0}" type="datetimeFigureOut">
               <a:rPr lang="en-IN" smtClean="0"/>
-              <a:t>28-07-2021</a:t>
+              <a:t>30-07-2021</a:t>
             </a:fld>
             <a:endParaRPr lang="en-IN"/>
           </a:p>
@@ -1242,7 +1242,7 @@
           <a:p>
             <a:fld id="{692224ED-DFA0-4E6E-BD19-DA5ACEE7B7A0}" type="datetimeFigureOut">
               <a:rPr lang="en-IN" smtClean="0"/>
-              <a:t>28-07-2021</a:t>
+              <a:t>30-07-2021</a:t>
             </a:fld>
             <a:endParaRPr lang="en-IN"/>
           </a:p>
@@ -1609,7 +1609,7 @@
           <a:p>
             <a:fld id="{692224ED-DFA0-4E6E-BD19-DA5ACEE7B7A0}" type="datetimeFigureOut">
               <a:rPr lang="en-IN" smtClean="0"/>
-              <a:t>28-07-2021</a:t>
+              <a:t>30-07-2021</a:t>
             </a:fld>
             <a:endParaRPr lang="en-IN"/>
           </a:p>
@@ -1727,7 +1727,7 @@
           <a:p>
             <a:fld id="{692224ED-DFA0-4E6E-BD19-DA5ACEE7B7A0}" type="datetimeFigureOut">
               <a:rPr lang="en-IN" smtClean="0"/>
-              <a:t>28-07-2021</a:t>
+              <a:t>30-07-2021</a:t>
             </a:fld>
             <a:endParaRPr lang="en-IN"/>
           </a:p>
@@ -1822,7 +1822,7 @@
           <a:p>
             <a:fld id="{692224ED-DFA0-4E6E-BD19-DA5ACEE7B7A0}" type="datetimeFigureOut">
               <a:rPr lang="en-IN" smtClean="0"/>
-              <a:t>28-07-2021</a:t>
+              <a:t>30-07-2021</a:t>
             </a:fld>
             <a:endParaRPr lang="en-IN"/>
           </a:p>
@@ -2099,7 +2099,7 @@
           <a:p>
             <a:fld id="{692224ED-DFA0-4E6E-BD19-DA5ACEE7B7A0}" type="datetimeFigureOut">
               <a:rPr lang="en-IN" smtClean="0"/>
-              <a:t>28-07-2021</a:t>
+              <a:t>30-07-2021</a:t>
             </a:fld>
             <a:endParaRPr lang="en-IN"/>
           </a:p>
@@ -2352,7 +2352,7 @@
           <a:p>
             <a:fld id="{692224ED-DFA0-4E6E-BD19-DA5ACEE7B7A0}" type="datetimeFigureOut">
               <a:rPr lang="en-IN" smtClean="0"/>
-              <a:t>28-07-2021</a:t>
+              <a:t>30-07-2021</a:t>
             </a:fld>
             <a:endParaRPr lang="en-IN"/>
           </a:p>
@@ -2565,7 +2565,7 @@
           <a:p>
             <a:fld id="{692224ED-DFA0-4E6E-BD19-DA5ACEE7B7A0}" type="datetimeFigureOut">
               <a:rPr lang="en-IN" smtClean="0"/>
-              <a:t>28-07-2021</a:t>
+              <a:t>30-07-2021</a:t>
             </a:fld>
             <a:endParaRPr lang="en-IN"/>
           </a:p>
@@ -2987,12 +2987,33 @@
           </a:xfrm>
         </p:spPr>
         <p:txBody>
-          <a:bodyPr/>
+          <a:bodyPr>
+            <a:normAutofit fontScale="90000"/>
+          </a:bodyPr>
           <a:lstStyle/>
           <a:p>
             <a:r>
               <a:rPr lang="en-IN" dirty="0" smtClean="0"/>
-              <a:t>Welcome to git Tutorial</a:t>
+              <a:t>Welcome to git </a:t>
+            </a:r>
+            <a:r>
+              <a:rPr lang="en-IN" dirty="0" smtClean="0"/>
+              <a:t>Tutorial</a:t>
+            </a:r>
+            <a:br>
+              <a:rPr lang="en-IN" dirty="0" smtClean="0"/>
+            </a:br>
+            <a:r>
+              <a:rPr lang="en-IN" dirty="0" smtClean="0"/>
+              <a:t>,</a:t>
+            </a:r>
+            <a:r>
+              <a:rPr lang="en-IN" smtClean="0"/>
+              <a:t>GitCode</a:t>
+            </a:r>
+            <a:r>
+              <a:rPr lang="en-IN" dirty="0" smtClean="0"/>
+              <a:t/>
             </a:r>
             <a:br>
               <a:rPr lang="en-IN" dirty="0" smtClean="0"/>
@@ -3126,11 +3147,7 @@
           <a:p>
             <a:r>
               <a:rPr lang="en-IN" dirty="0" smtClean="0"/>
-              <a:t>Learnt How to use </a:t>
-            </a:r>
-            <a:r>
-              <a:rPr lang="en-IN" dirty="0" smtClean="0"/>
-              <a:t>.</a:t>
+              <a:t>Learnt How to use .</a:t>
             </a:r>
             <a:r>
               <a:rPr lang="en-IN" dirty="0" err="1" smtClean="0"/>

--- a/Power.pptx
+++ b/Power.pptx
@@ -2988,28 +2988,21 @@
         </p:spPr>
         <p:txBody>
           <a:bodyPr>
-            <a:normAutofit fontScale="90000"/>
+            <a:normAutofit/>
           </a:bodyPr>
           <a:lstStyle/>
           <a:p>
             <a:r>
               <a:rPr lang="en-IN" dirty="0" smtClean="0"/>
-              <a:t>Welcome to git </a:t>
-            </a:r>
-            <a:r>
-              <a:rPr lang="en-IN" dirty="0" smtClean="0"/>
+              <a:t>Welcome to </a:t>
+            </a:r>
+            <a:r>
+              <a:rPr lang="en-IN" smtClean="0"/>
+              <a:t>git </a:t>
+            </a:r>
+            <a:r>
+              <a:rPr lang="en-IN" smtClean="0"/>
               <a:t>Tutorial</a:t>
-            </a:r>
-            <a:br>
-              <a:rPr lang="en-IN" dirty="0" smtClean="0"/>
-            </a:br>
-            <a:r>
-              <a:rPr lang="en-IN" dirty="0" smtClean="0"/>
-              <a:t>,</a:t>
-            </a:r>
-            <a:r>
-              <a:rPr lang="en-IN" smtClean="0"/>
-              <a:t>GitCode</a:t>
             </a:r>
             <a:r>
               <a:rPr lang="en-IN" dirty="0" smtClean="0"/>

--- a/Power.pptx
+++ b/Power.pptx
@@ -244,7 +244,7 @@
           <a:p>
             <a:fld id="{692224ED-DFA0-4E6E-BD19-DA5ACEE7B7A0}" type="datetimeFigureOut">
               <a:rPr lang="en-IN" smtClean="0"/>
-              <a:t>28-07-2021</a:t>
+              <a:t>30-07-2021</a:t>
             </a:fld>
             <a:endParaRPr lang="en-IN"/>
           </a:p>
@@ -414,7 +414,7 @@
           <a:p>
             <a:fld id="{692224ED-DFA0-4E6E-BD19-DA5ACEE7B7A0}" type="datetimeFigureOut">
               <a:rPr lang="en-IN" smtClean="0"/>
-              <a:t>28-07-2021</a:t>
+              <a:t>30-07-2021</a:t>
             </a:fld>
             <a:endParaRPr lang="en-IN"/>
           </a:p>
@@ -594,7 +594,7 @@
           <a:p>
             <a:fld id="{692224ED-DFA0-4E6E-BD19-DA5ACEE7B7A0}" type="datetimeFigureOut">
               <a:rPr lang="en-IN" smtClean="0"/>
-              <a:t>28-07-2021</a:t>
+              <a:t>30-07-2021</a:t>
             </a:fld>
             <a:endParaRPr lang="en-IN"/>
           </a:p>
@@ -764,7 +764,7 @@
           <a:p>
             <a:fld id="{692224ED-DFA0-4E6E-BD19-DA5ACEE7B7A0}" type="datetimeFigureOut">
               <a:rPr lang="en-IN" smtClean="0"/>
-              <a:t>28-07-2021</a:t>
+              <a:t>30-07-2021</a:t>
             </a:fld>
             <a:endParaRPr lang="en-IN"/>
           </a:p>
@@ -1010,7 +1010,7 @@
           <a:p>
             <a:fld id="{692224ED-DFA0-4E6E-BD19-DA5ACEE7B7A0}" type="datetimeFigureOut">
               <a:rPr lang="en-IN" smtClean="0"/>
-              <a:t>28-07-2021</a:t>
+              <a:t>30-07-2021</a:t>
             </a:fld>
             <a:endParaRPr lang="en-IN"/>
           </a:p>
@@ -1242,7 +1242,7 @@
           <a:p>
             <a:fld id="{692224ED-DFA0-4E6E-BD19-DA5ACEE7B7A0}" type="datetimeFigureOut">
               <a:rPr lang="en-IN" smtClean="0"/>
-              <a:t>28-07-2021</a:t>
+              <a:t>30-07-2021</a:t>
             </a:fld>
             <a:endParaRPr lang="en-IN"/>
           </a:p>
@@ -1609,7 +1609,7 @@
           <a:p>
             <a:fld id="{692224ED-DFA0-4E6E-BD19-DA5ACEE7B7A0}" type="datetimeFigureOut">
               <a:rPr lang="en-IN" smtClean="0"/>
-              <a:t>28-07-2021</a:t>
+              <a:t>30-07-2021</a:t>
             </a:fld>
             <a:endParaRPr lang="en-IN"/>
           </a:p>
@@ -1727,7 +1727,7 @@
           <a:p>
             <a:fld id="{692224ED-DFA0-4E6E-BD19-DA5ACEE7B7A0}" type="datetimeFigureOut">
               <a:rPr lang="en-IN" smtClean="0"/>
-              <a:t>28-07-2021</a:t>
+              <a:t>30-07-2021</a:t>
             </a:fld>
             <a:endParaRPr lang="en-IN"/>
           </a:p>
@@ -1822,7 +1822,7 @@
           <a:p>
             <a:fld id="{692224ED-DFA0-4E6E-BD19-DA5ACEE7B7A0}" type="datetimeFigureOut">
               <a:rPr lang="en-IN" smtClean="0"/>
-              <a:t>28-07-2021</a:t>
+              <a:t>30-07-2021</a:t>
             </a:fld>
             <a:endParaRPr lang="en-IN"/>
           </a:p>
@@ -2099,7 +2099,7 @@
           <a:p>
             <a:fld id="{692224ED-DFA0-4E6E-BD19-DA5ACEE7B7A0}" type="datetimeFigureOut">
               <a:rPr lang="en-IN" smtClean="0"/>
-              <a:t>28-07-2021</a:t>
+              <a:t>30-07-2021</a:t>
             </a:fld>
             <a:endParaRPr lang="en-IN"/>
           </a:p>
@@ -2352,7 +2352,7 @@
           <a:p>
             <a:fld id="{692224ED-DFA0-4E6E-BD19-DA5ACEE7B7A0}" type="datetimeFigureOut">
               <a:rPr lang="en-IN" smtClean="0"/>
-              <a:t>28-07-2021</a:t>
+              <a:t>30-07-2021</a:t>
             </a:fld>
             <a:endParaRPr lang="en-IN"/>
           </a:p>
@@ -2565,7 +2565,7 @@
           <a:p>
             <a:fld id="{692224ED-DFA0-4E6E-BD19-DA5ACEE7B7A0}" type="datetimeFigureOut">
               <a:rPr lang="en-IN" smtClean="0"/>
-              <a:t>28-07-2021</a:t>
+              <a:t>30-07-2021</a:t>
             </a:fld>
             <a:endParaRPr lang="en-IN"/>
           </a:p>
@@ -2987,12 +2987,33 @@
           </a:xfrm>
         </p:spPr>
         <p:txBody>
-          <a:bodyPr/>
+          <a:bodyPr>
+            <a:normAutofit fontScale="90000"/>
+          </a:bodyPr>
           <a:lstStyle/>
           <a:p>
             <a:r>
               <a:rPr lang="en-IN" dirty="0" smtClean="0"/>
-              <a:t>Welcome to git Tutorial</a:t>
+              <a:t>Welcome to git </a:t>
+            </a:r>
+            <a:r>
+              <a:rPr lang="en-IN" dirty="0" smtClean="0"/>
+              <a:t>Tutorial</a:t>
+            </a:r>
+            <a:br>
+              <a:rPr lang="en-IN" dirty="0" smtClean="0"/>
+            </a:br>
+            <a:r>
+              <a:rPr lang="en-IN" dirty="0" smtClean="0"/>
+              <a:t>and </a:t>
+            </a:r>
+            <a:r>
+              <a:rPr lang="en-IN" smtClean="0"/>
+              <a:t>GitHub</a:t>
+            </a:r>
+            <a:r>
+              <a:rPr lang="en-IN" dirty="0" smtClean="0"/>
+              <a:t/>
             </a:r>
             <a:br>
               <a:rPr lang="en-IN" dirty="0" smtClean="0"/>
@@ -3126,11 +3147,7 @@
           <a:p>
             <a:r>
               <a:rPr lang="en-IN" dirty="0" smtClean="0"/>
-              <a:t>Learnt How to use </a:t>
-            </a:r>
-            <a:r>
-              <a:rPr lang="en-IN" dirty="0" smtClean="0"/>
-              <a:t>.</a:t>
+              <a:t>Learnt How to use .</a:t>
             </a:r>
             <a:r>
               <a:rPr lang="en-IN" dirty="0" err="1" smtClean="0"/>

--- a/Power.pptx
+++ b/Power.pptx
@@ -2994,11 +2994,7 @@
           <a:p>
             <a:r>
               <a:rPr lang="en-IN" dirty="0" smtClean="0"/>
-              <a:t>Welcome to git </a:t>
-            </a:r>
-            <a:r>
-              <a:rPr lang="en-IN" dirty="0" smtClean="0"/>
-              <a:t>Tutorial</a:t>
+              <a:t>Welcome to git Tutorial</a:t>
             </a:r>
             <a:br>
               <a:rPr lang="en-IN" dirty="0" smtClean="0"/>
@@ -3008,8 +3004,12 @@
               <a:t>and </a:t>
             </a:r>
             <a:r>
+              <a:rPr lang="en-IN" dirty="0" err="1" smtClean="0"/>
+              <a:t>GitHub</a:t>
+            </a:r>
+            <a:r>
               <a:rPr lang="en-IN" smtClean="0"/>
-              <a:t>GitHub</a:t>
+              <a:t> and </a:t>
             </a:r>
             <a:r>
               <a:rPr lang="en-IN" dirty="0" smtClean="0"/>
